--- a/powerpoint/jachan_a1.pptx
+++ b/powerpoint/jachan_a1.pptx
@@ -7,7 +7,6 @@
   <p:sldIdLst>
     <p:sldId id="260" r:id="rId2"/>
     <p:sldId id="258" r:id="rId3"/>
-    <p:sldId id="259" r:id="rId4"/>
   </p:sldIdLst>
   <p:sldSz cx="12192000" cy="6858000"/>
   <p:notesSz cx="6858000" cy="9144000"/>
@@ -261,7 +260,7 @@
           <a:p>
             <a:fld id="{EED1C14C-A143-42F5-B247-D0E800131009}" type="datetimeFigureOut">
               <a:rPr lang="en-US" smtClean="0"/>
-              <a:t>9/23/21</a:t>
+              <a:t>9/26/21</a:t>
             </a:fld>
             <a:endParaRPr lang="en-US"/>
           </a:p>
@@ -459,7 +458,7 @@
           <a:p>
             <a:fld id="{EED1C14C-A143-42F5-B247-D0E800131009}" type="datetimeFigureOut">
               <a:rPr lang="en-US" smtClean="0"/>
-              <a:t>9/23/21</a:t>
+              <a:t>9/26/21</a:t>
             </a:fld>
             <a:endParaRPr lang="en-US"/>
           </a:p>
@@ -667,7 +666,7 @@
           <a:p>
             <a:fld id="{EED1C14C-A143-42F5-B247-D0E800131009}" type="datetimeFigureOut">
               <a:rPr lang="en-US" smtClean="0"/>
-              <a:t>9/23/21</a:t>
+              <a:t>9/26/21</a:t>
             </a:fld>
             <a:endParaRPr lang="en-US"/>
           </a:p>
@@ -865,7 +864,7 @@
           <a:p>
             <a:fld id="{EED1C14C-A143-42F5-B247-D0E800131009}" type="datetimeFigureOut">
               <a:rPr lang="en-US" smtClean="0"/>
-              <a:t>9/23/21</a:t>
+              <a:t>9/26/21</a:t>
             </a:fld>
             <a:endParaRPr lang="en-US"/>
           </a:p>
@@ -1140,7 +1139,7 @@
           <a:p>
             <a:fld id="{EED1C14C-A143-42F5-B247-D0E800131009}" type="datetimeFigureOut">
               <a:rPr lang="en-US" smtClean="0"/>
-              <a:t>9/23/21</a:t>
+              <a:t>9/26/21</a:t>
             </a:fld>
             <a:endParaRPr lang="en-US"/>
           </a:p>
@@ -1405,7 +1404,7 @@
           <a:p>
             <a:fld id="{EED1C14C-A143-42F5-B247-D0E800131009}" type="datetimeFigureOut">
               <a:rPr lang="en-US" smtClean="0"/>
-              <a:t>9/23/21</a:t>
+              <a:t>9/26/21</a:t>
             </a:fld>
             <a:endParaRPr lang="en-US"/>
           </a:p>
@@ -1817,7 +1816,7 @@
           <a:p>
             <a:fld id="{EED1C14C-A143-42F5-B247-D0E800131009}" type="datetimeFigureOut">
               <a:rPr lang="en-US" smtClean="0"/>
-              <a:t>9/23/21</a:t>
+              <a:t>9/26/21</a:t>
             </a:fld>
             <a:endParaRPr lang="en-US"/>
           </a:p>
@@ -1958,7 +1957,7 @@
           <a:p>
             <a:fld id="{EED1C14C-A143-42F5-B247-D0E800131009}" type="datetimeFigureOut">
               <a:rPr lang="en-US" smtClean="0"/>
-              <a:t>9/23/21</a:t>
+              <a:t>9/26/21</a:t>
             </a:fld>
             <a:endParaRPr lang="en-US"/>
           </a:p>
@@ -2071,7 +2070,7 @@
           <a:p>
             <a:fld id="{EED1C14C-A143-42F5-B247-D0E800131009}" type="datetimeFigureOut">
               <a:rPr lang="en-US" smtClean="0"/>
-              <a:t>9/23/21</a:t>
+              <a:t>9/26/21</a:t>
             </a:fld>
             <a:endParaRPr lang="en-US"/>
           </a:p>
@@ -2382,7 +2381,7 @@
           <a:p>
             <a:fld id="{EED1C14C-A143-42F5-B247-D0E800131009}" type="datetimeFigureOut">
               <a:rPr lang="en-US" smtClean="0"/>
-              <a:t>9/23/21</a:t>
+              <a:t>9/26/21</a:t>
             </a:fld>
             <a:endParaRPr lang="en-US"/>
           </a:p>
@@ -2670,7 +2669,7 @@
           <a:p>
             <a:fld id="{EED1C14C-A143-42F5-B247-D0E800131009}" type="datetimeFigureOut">
               <a:rPr lang="en-US" smtClean="0"/>
-              <a:t>9/23/21</a:t>
+              <a:t>9/26/21</a:t>
             </a:fld>
             <a:endParaRPr lang="en-US"/>
           </a:p>
@@ -2911,7 +2910,7 @@
           <a:p>
             <a:fld id="{EED1C14C-A143-42F5-B247-D0E800131009}" type="datetimeFigureOut">
               <a:rPr lang="en-US" smtClean="0"/>
-              <a:t>9/23/21</a:t>
+              <a:t>9/26/21</a:t>
             </a:fld>
             <a:endParaRPr lang="en-US"/>
           </a:p>
@@ -3410,13 +3409,22 @@
             <p:ph type="title"/>
           </p:nvPr>
         </p:nvSpPr>
-        <p:spPr/>
-        <p:txBody>
-          <a:bodyPr/>
-          <a:lstStyle/>
-          <a:p>
-            <a:r>
-              <a:rPr lang="en-US" dirty="0"/>
+        <p:spPr>
+          <a:xfrm>
+            <a:off x="128196" y="-72232"/>
+            <a:ext cx="10515600" cy="1325563"/>
+          </a:xfrm>
+        </p:spPr>
+        <p:txBody>
+          <a:bodyPr/>
+          <a:lstStyle/>
+          <a:p>
+            <a:r>
+              <a:rPr lang="en-US" b="1" dirty="0">
+                <a:latin typeface="Helvetica Neue" panose="02000503000000020004" pitchFamily="2" charset="0"/>
+                <a:ea typeface="Helvetica Neue" panose="02000503000000020004" pitchFamily="2" charset="0"/>
+                <a:cs typeface="Helvetica Neue" panose="02000503000000020004" pitchFamily="2" charset="0"/>
+              </a:rPr>
               <a:t>Writeup</a:t>
             </a:r>
           </a:p>
@@ -3438,10 +3446,15 @@
             <p:ph idx="1"/>
           </p:nvPr>
         </p:nvSpPr>
-        <p:spPr/>
+        <p:spPr>
+          <a:xfrm>
+            <a:off x="128196" y="984389"/>
+            <a:ext cx="11935608" cy="4351338"/>
+          </a:xfrm>
+        </p:spPr>
         <p:txBody>
           <a:bodyPr>
-            <a:normAutofit/>
+            <a:noAutofit/>
           </a:bodyPr>
           <a:lstStyle/>
           <a:p>
@@ -3449,9 +3462,84 @@
               <a:buNone/>
             </a:pPr>
             <a:r>
-              <a:rPr lang="en-US" sz="1800" dirty="0"/>
-              <a:t>My main aim was to communicate which antibiotic worked most effectively both overall and for each bacteria.</a:t>
-            </a:r>
+              <a:rPr lang="en-US" sz="1600" dirty="0">
+                <a:latin typeface="Helvetica Neue" panose="02000503000000020004" pitchFamily="2" charset="0"/>
+                <a:ea typeface="Helvetica Neue" panose="02000503000000020004" pitchFamily="2" charset="0"/>
+                <a:cs typeface="Helvetica Neue" panose="02000503000000020004" pitchFamily="2" charset="0"/>
+              </a:rPr>
+              <a:t>	With this visual, I attempted to answer two high-level questions: What is the relative effectiveness of each antibiotic in general? What is the comparative effectiveness of each antibiotic for each bacteria? I had four visualizations that composed the final visual. Three shared an x-axis: A bar chart of the MIC measure, a dot plot of relative MIC variable, and a bar chart of the relative MIC score count. Additionally, there was a table of the best antibiotics for each bacteria. The first three visuals answer the first high-level question by allowing comparisons between the three antibiotics overall. The last visual answers the second high-level question directly. Contextually I was uncertain where Gram Staining fit into the story I was trying to tell, so I encoded it throughout the four visuals. I will go through these four visuals sequentially.</a:t>
+            </a:r>
+          </a:p>
+          <a:p>
+            <a:pPr marL="0" indent="0">
+              <a:buNone/>
+            </a:pPr>
+            <a:r>
+              <a:rPr lang="en-US" sz="1600" dirty="0">
+                <a:latin typeface="Helvetica Neue" panose="02000503000000020004" pitchFamily="2" charset="0"/>
+                <a:ea typeface="Helvetica Neue" panose="02000503000000020004" pitchFamily="2" charset="0"/>
+                <a:cs typeface="Helvetica Neue" panose="02000503000000020004" pitchFamily="2" charset="0"/>
+              </a:rPr>
+              <a:t>	The first bar chart was the visual that encoded the raw quantitative data of the MIC measure. On the y-axis with a log scale are the MIC scores (encoded through length). On the x-axis, the data is bacteria grouped by an antibiotic. I chose to encode the MIC measure in this way because length encodes quantitative data well. The bars have color according to a variable I created that represents the MIC needed for an antibiotic compared to the others with a value of [1, 2, 3] or equivalently [Least, Middle, Most]. Lastly, I added the total and average MIC for each antibiotic and sorted within each antibiotic group by MIC score.</a:t>
+            </a:r>
+          </a:p>
+          <a:p>
+            <a:pPr marL="0" indent="0">
+              <a:buNone/>
+            </a:pPr>
+            <a:r>
+              <a:rPr lang="en-US" sz="1600" dirty="0">
+                <a:latin typeface="Helvetica Neue" panose="02000503000000020004" pitchFamily="2" charset="0"/>
+                <a:ea typeface="Helvetica Neue" panose="02000503000000020004" pitchFamily="2" charset="0"/>
+                <a:cs typeface="Helvetica Neue" panose="02000503000000020004" pitchFamily="2" charset="0"/>
+              </a:rPr>
+              <a:t>	The second visualization was a dot plot encoding the relative MIC variable (through position) on the y-axis and shared the x-axis with the first bar chart. The reason for encoding information already encoded in the color of the first chart is because position is a better channel than color to encode an ordinal variable. Also encoded here in symbols (checkmark or 'X') is the gram-straining. Note that the y-axis encodes the bacteria using symbols rather than words because each bacteria occurs three times, making it difficult to read particularly when oriented vertically. The third visual is a simple bar chart to summarize the count of this same variable.</a:t>
+            </a:r>
+          </a:p>
+          <a:p>
+            <a:pPr marL="0" indent="0">
+              <a:buNone/>
+            </a:pPr>
+            <a:r>
+              <a:rPr lang="en-US" sz="1600" dirty="0">
+                <a:latin typeface="Helvetica Neue" panose="02000503000000020004" pitchFamily="2" charset="0"/>
+                <a:ea typeface="Helvetica Neue" panose="02000503000000020004" pitchFamily="2" charset="0"/>
+                <a:cs typeface="Helvetica Neue" panose="02000503000000020004" pitchFamily="2" charset="0"/>
+              </a:rPr>
+              <a:t>	The last visual is separate from the rest. It is a table of the bacteria names with three columns that correspond to each antibiotic. There is a symbol in each cell where an antibiotic is the best for a particular bacteria. This table also doubles as a key for the bacteria symbols. I chose to make this table because specific queries like "what antibiotic is best for bacteria X?" were hard to make using the first three visualizations. You would have to decode the bacteria symbol three times spread over the x-axis and compare the colors of the corresponding bars. This table does require decoding symbols since it doubles as a key and encodes the best antibiotic directly. Additionally, the gram staining information is encoded here for similar reasons.</a:t>
+            </a:r>
+          </a:p>
+        </p:txBody>
+      </p:sp>
+      <p:sp>
+        <p:nvSpPr>
+          <p:cNvPr id="4" name="TextBox 3">
+            <a:extLst>
+              <a:ext uri="{FF2B5EF4-FFF2-40B4-BE49-F238E27FC236}">
+                <a16:creationId xmlns:a16="http://schemas.microsoft.com/office/drawing/2014/main" id="{902EAA86-EB04-9B40-9190-CD430C2439A2}"/>
+              </a:ext>
+            </a:extLst>
+          </p:cNvPr>
+          <p:cNvSpPr txBox="1"/>
+          <p:nvPr/>
+        </p:nvSpPr>
+        <p:spPr>
+          <a:xfrm>
+            <a:off x="3033656" y="2377440"/>
+            <a:ext cx="184731" cy="369332"/>
+          </a:xfrm>
+          <a:prstGeom prst="rect">
+            <a:avLst/>
+          </a:prstGeom>
+          <a:noFill/>
+        </p:spPr>
+        <p:txBody>
+          <a:bodyPr wrap="none" rtlCol="0">
+            <a:spAutoFit/>
+          </a:bodyPr>
+          <a:lstStyle/>
+          <a:p>
+            <a:endParaRPr lang="en-US" dirty="0"/>
           </a:p>
         </p:txBody>
       </p:sp>
@@ -3459,124 +3547,6 @@
     <p:extLst>
       <p:ext uri="{BB962C8B-B14F-4D97-AF65-F5344CB8AC3E}">
         <p14:creationId xmlns:p14="http://schemas.microsoft.com/office/powerpoint/2010/main" val="3023967901"/>
-      </p:ext>
-    </p:extLst>
-  </p:cSld>
-  <p:clrMapOvr>
-    <a:masterClrMapping/>
-  </p:clrMapOvr>
-</p:sld>
-</file>
-
-<file path=ppt/slides/slide3.xml><?xml version="1.0" encoding="utf-8"?>
-<p:sld xmlns:a="http://schemas.openxmlformats.org/drawingml/2006/main" xmlns:r="http://schemas.openxmlformats.org/officeDocument/2006/relationships" xmlns:p="http://schemas.openxmlformats.org/presentationml/2006/main">
-  <p:cSld>
-    <p:spTree>
-      <p:nvGrpSpPr>
-        <p:cNvPr id="1" name=""/>
-        <p:cNvGrpSpPr/>
-        <p:nvPr/>
-      </p:nvGrpSpPr>
-      <p:grpSpPr>
-        <a:xfrm>
-          <a:off x="0" y="0"/>
-          <a:ext cx="0" cy="0"/>
-          <a:chOff x="0" y="0"/>
-          <a:chExt cx="0" cy="0"/>
-        </a:xfrm>
-      </p:grpSpPr>
-      <p:sp>
-        <p:nvSpPr>
-          <p:cNvPr id="2" name="Title 1">
-            <a:extLst>
-              <a:ext uri="{FF2B5EF4-FFF2-40B4-BE49-F238E27FC236}">
-                <a16:creationId xmlns:a16="http://schemas.microsoft.com/office/drawing/2014/main" id="{2FAB18D0-5597-FA4E-A155-D633CB5E973E}"/>
-              </a:ext>
-            </a:extLst>
-          </p:cNvPr>
-          <p:cNvSpPr>
-            <a:spLocks noGrp="1"/>
-          </p:cNvSpPr>
-          <p:nvPr>
-            <p:ph type="title"/>
-          </p:nvPr>
-        </p:nvSpPr>
-        <p:spPr/>
-        <p:txBody>
-          <a:bodyPr/>
-          <a:lstStyle/>
-          <a:p>
-            <a:r>
-              <a:rPr lang="en-US" dirty="0"/>
-              <a:t>Instructions</a:t>
-            </a:r>
-          </a:p>
-        </p:txBody>
-      </p:sp>
-      <p:sp>
-        <p:nvSpPr>
-          <p:cNvPr id="3" name="Content Placeholder 2">
-            <a:extLst>
-              <a:ext uri="{FF2B5EF4-FFF2-40B4-BE49-F238E27FC236}">
-                <a16:creationId xmlns:a16="http://schemas.microsoft.com/office/drawing/2014/main" id="{340B4630-262A-1C49-9951-941BC1F7BCB4}"/>
-              </a:ext>
-            </a:extLst>
-          </p:cNvPr>
-          <p:cNvSpPr>
-            <a:spLocks noGrp="1"/>
-          </p:cNvSpPr>
-          <p:nvPr>
-            <p:ph idx="1"/>
-          </p:nvPr>
-        </p:nvSpPr>
-        <p:spPr/>
-        <p:txBody>
-          <a:bodyPr>
-            <a:normAutofit/>
-          </a:bodyPr>
-          <a:lstStyle/>
-          <a:p>
-            <a:pPr marL="0" indent="0">
-              <a:buNone/>
-            </a:pPr>
-            <a:r>
-              <a:rPr lang="en-US" sz="1800" dirty="0"/>
-              <a:t>     After the World War II, antibiotics were considered as "wonder drugs", since they were an easy remedy for what had been intractable ailments. To learn which drug worked most effectively for which bacterial infection, performance of the three most popular antibiotics on 16 bacteria were gathered. </a:t>
-            </a:r>
-          </a:p>
-          <a:p>
-            <a:pPr marL="0" indent="0">
-              <a:buNone/>
-            </a:pPr>
-            <a:r>
-              <a:rPr lang="en-US" sz="1800" dirty="0"/>
-              <a:t>     Your task is to design a static (i.e., single image) visualization that you believe effectively communicates this data and provide a short write-up (no more than 4 paragraphs) describing your design. While you must use the data set given, note that you are free to filter, transform and augment the data as you see fit to highlight the elements that you think are most important in the data set.</a:t>
-            </a:r>
-          </a:p>
-          <a:p>
-            <a:pPr marL="0" indent="0">
-              <a:buNone/>
-            </a:pPr>
-            <a:r>
-              <a:rPr lang="en-US" sz="1800" b="1" dirty="0"/>
-              <a:t>     As different visualizations can emphasize different aspects of a data set, you should document what aspects of the data you are attempting to most effectively communicate. In short, what story (or stories) are you trying to tell? Just as important, also note which aspects of the data might be obscured or down-played due to your visualization design.</a:t>
-            </a:r>
-          </a:p>
-          <a:p>
-            <a:pPr marL="0" indent="0">
-              <a:buNone/>
-            </a:pPr>
-            <a:r>
-              <a:rPr lang="en-US" sz="1800" b="1" dirty="0"/>
-              <a:t>     In your write-up, you should provide a rigorous rationale for your design decisions. Document the visual encodings you used and why they are appropriate for the data. These decisions include the choice of visualization type, size, color, scale, and other visual elements, as well as the use of sorting or other data transformations. How do these decisions facilitate effective communication?</a:t>
-            </a:r>
-          </a:p>
-        </p:txBody>
-      </p:sp>
-    </p:spTree>
-    <p:extLst>
-      <p:ext uri="{BB962C8B-B14F-4D97-AF65-F5344CB8AC3E}">
-        <p14:creationId xmlns:p14="http://schemas.microsoft.com/office/powerpoint/2010/main" val="2302495440"/>
       </p:ext>
     </p:extLst>
   </p:cSld>
